--- a/慕课网自学总结/java接口自动化测试/TestNG介绍/TestNG.pptx
+++ b/慕课网自学总结/java接口自动化测试/TestNG介绍/TestNG.pptx
@@ -301,7 +301,7 @@
             <a:fld id="{530820CF-B880-4189-942D-D702A7CBA730}" type="datetimeFigureOut">
               <a:rPr lang="zh-CN" altLang="en-US" smtClean="0"/>
               <a:pPr/>
-              <a:t>2019/12/18</a:t>
+              <a:t>2020/1/2</a:t>
             </a:fld>
             <a:endParaRPr lang="zh-CN" altLang="en-US"/>
           </a:p>
@@ -468,7 +468,7 @@
             <a:fld id="{530820CF-B880-4189-942D-D702A7CBA730}" type="datetimeFigureOut">
               <a:rPr lang="zh-CN" altLang="en-US" smtClean="0"/>
               <a:pPr/>
-              <a:t>2019/12/18</a:t>
+              <a:t>2020/1/2</a:t>
             </a:fld>
             <a:endParaRPr lang="zh-CN" altLang="en-US"/>
           </a:p>
@@ -645,7 +645,7 @@
             <a:fld id="{530820CF-B880-4189-942D-D702A7CBA730}" type="datetimeFigureOut">
               <a:rPr lang="zh-CN" altLang="en-US" smtClean="0"/>
               <a:pPr/>
-              <a:t>2019/12/18</a:t>
+              <a:t>2020/1/2</a:t>
             </a:fld>
             <a:endParaRPr lang="zh-CN" altLang="en-US"/>
           </a:p>
@@ -812,7 +812,7 @@
             <a:fld id="{530820CF-B880-4189-942D-D702A7CBA730}" type="datetimeFigureOut">
               <a:rPr lang="zh-CN" altLang="en-US" smtClean="0"/>
               <a:pPr/>
-              <a:t>2019/12/18</a:t>
+              <a:t>2020/1/2</a:t>
             </a:fld>
             <a:endParaRPr lang="zh-CN" altLang="en-US"/>
           </a:p>
@@ -1055,7 +1055,7 @@
             <a:fld id="{530820CF-B880-4189-942D-D702A7CBA730}" type="datetimeFigureOut">
               <a:rPr lang="zh-CN" altLang="en-US" smtClean="0"/>
               <a:pPr/>
-              <a:t>2019/12/18</a:t>
+              <a:t>2020/1/2</a:t>
             </a:fld>
             <a:endParaRPr lang="zh-CN" altLang="en-US"/>
           </a:p>
@@ -1340,7 +1340,7 @@
             <a:fld id="{530820CF-B880-4189-942D-D702A7CBA730}" type="datetimeFigureOut">
               <a:rPr lang="zh-CN" altLang="en-US" smtClean="0"/>
               <a:pPr/>
-              <a:t>2019/12/18</a:t>
+              <a:t>2020/1/2</a:t>
             </a:fld>
             <a:endParaRPr lang="zh-CN" altLang="en-US"/>
           </a:p>
@@ -1759,7 +1759,7 @@
             <a:fld id="{530820CF-B880-4189-942D-D702A7CBA730}" type="datetimeFigureOut">
               <a:rPr lang="zh-CN" altLang="en-US" smtClean="0"/>
               <a:pPr/>
-              <a:t>2019/12/18</a:t>
+              <a:t>2020/1/2</a:t>
             </a:fld>
             <a:endParaRPr lang="zh-CN" altLang="en-US"/>
           </a:p>
@@ -1874,7 +1874,7 @@
             <a:fld id="{530820CF-B880-4189-942D-D702A7CBA730}" type="datetimeFigureOut">
               <a:rPr lang="zh-CN" altLang="en-US" smtClean="0"/>
               <a:pPr/>
-              <a:t>2019/12/18</a:t>
+              <a:t>2020/1/2</a:t>
             </a:fld>
             <a:endParaRPr lang="zh-CN" altLang="en-US"/>
           </a:p>
@@ -1966,7 +1966,7 @@
             <a:fld id="{530820CF-B880-4189-942D-D702A7CBA730}" type="datetimeFigureOut">
               <a:rPr lang="zh-CN" altLang="en-US" smtClean="0"/>
               <a:pPr/>
-              <a:t>2019/12/18</a:t>
+              <a:t>2020/1/2</a:t>
             </a:fld>
             <a:endParaRPr lang="zh-CN" altLang="en-US"/>
           </a:p>
@@ -2240,7 +2240,7 @@
             <a:fld id="{530820CF-B880-4189-942D-D702A7CBA730}" type="datetimeFigureOut">
               <a:rPr lang="zh-CN" altLang="en-US" smtClean="0"/>
               <a:pPr/>
-              <a:t>2019/12/18</a:t>
+              <a:t>2020/1/2</a:t>
             </a:fld>
             <a:endParaRPr lang="zh-CN" altLang="en-US"/>
           </a:p>
@@ -2490,7 +2490,7 @@
             <a:fld id="{530820CF-B880-4189-942D-D702A7CBA730}" type="datetimeFigureOut">
               <a:rPr lang="zh-CN" altLang="en-US" smtClean="0"/>
               <a:pPr/>
-              <a:t>2019/12/18</a:t>
+              <a:t>2020/1/2</a:t>
             </a:fld>
             <a:endParaRPr lang="zh-CN" altLang="en-US"/>
           </a:p>
@@ -2700,7 +2700,7 @@
             <a:fld id="{530820CF-B880-4189-942D-D702A7CBA730}" type="datetimeFigureOut">
               <a:rPr lang="zh-CN" altLang="en-US" smtClean="0"/>
               <a:pPr/>
-              <a:t>2019/12/18</a:t>
+              <a:t>2020/1/2</a:t>
             </a:fld>
             <a:endParaRPr lang="zh-CN" altLang="en-US"/>
           </a:p>
@@ -3344,11 +3344,7 @@
             </a:r>
             <a:r>
               <a:rPr lang="zh-CN" altLang="en-US" dirty="0" smtClean="0"/>
-              <a:t>在测试方法之后</a:t>
-            </a:r>
-            <a:r>
-              <a:rPr lang="zh-CN" altLang="en-US" dirty="0" smtClean="0"/>
-              <a:t>运行</a:t>
+              <a:t>在测试方法之后运行</a:t>
             </a:r>
             <a:endParaRPr lang="en-US" altLang="zh-CN" dirty="0" smtClean="0"/>
           </a:p>
@@ -3422,8 +3418,8 @@
         </p:nvSpPr>
         <p:spPr>
           <a:xfrm>
-            <a:off x="2339752" y="836712"/>
-            <a:ext cx="4459426" cy="1477328"/>
+            <a:off x="251520" y="548680"/>
+            <a:ext cx="8614410" cy="1200329"/>
           </a:xfrm>
           <a:prstGeom prst="rect">
             <a:avLst/>
@@ -3456,26 +3452,16 @@
               <a:rPr lang="en-US" altLang="zh-CN" dirty="0" smtClean="0"/>
               <a:t>:</a:t>
             </a:r>
-          </a:p>
-          <a:p>
             <a:r>
               <a:rPr lang="zh-CN" altLang="en-US" dirty="0" smtClean="0"/>
-              <a:t>在</a:t>
-            </a:r>
+              <a:t>在每个测试方法之前和之后都会运行一次</a:t>
+            </a:r>
+            <a:endParaRPr lang="en-US" altLang="zh-CN" dirty="0" smtClean="0"/>
+          </a:p>
+          <a:p>
             <a:r>
               <a:rPr lang="zh-CN" altLang="en-US" dirty="0" smtClean="0"/>
-              <a:t>每个测试方法之前和之后都会运行一次</a:t>
-            </a:r>
-            <a:endParaRPr lang="en-US" altLang="zh-CN" dirty="0" smtClean="0"/>
-          </a:p>
-          <a:p>
-            <a:r>
-              <a:rPr lang="zh-CN" altLang="en-US" dirty="0" smtClean="0"/>
-              <a:t>具体运行结果如下</a:t>
-            </a:r>
-            <a:r>
-              <a:rPr lang="zh-CN" altLang="en-US" dirty="0" smtClean="0"/>
-              <a:t>图</a:t>
+              <a:t>具体运行结果如下图</a:t>
             </a:r>
             <a:endParaRPr lang="en-US" altLang="zh-CN" dirty="0" smtClean="0"/>
           </a:p>
